--- a/2021-04-12to04-16 (A5) C53517 SoftMARS/20_11v01_MarsBaseAlpha_OpeningBriefing.pptx
+++ b/2021-04-12to04-16 (A5) C53517 SoftMARS/20_11v01_MarsBaseAlpha_OpeningBriefing.pptx
@@ -261,7 +261,7 @@
           <a:p>
             <a:fld id="{F319E496-E8FF-4856-B08F-DBE14D18B236}" type="datetimeFigureOut">
               <a:rPr lang="en-US" smtClean="0"/>
-              <a:t>1/5/2022</a:t>
+              <a:t>1/6/2022</a:t>
             </a:fld>
             <a:endParaRPr lang="en-US"/>
           </a:p>
@@ -438,7 +438,7 @@
           <a:p>
             <a:fld id="{4572F63B-EF0F-9942-98B2-F67CC88AF236}" type="datetimeFigureOut">
               <a:rPr lang="en-US" smtClean="0"/>
-              <a:t>1/5/2022</a:t>
+              <a:t>1/6/2022</a:t>
             </a:fld>
             <a:endParaRPr lang="en-US"/>
           </a:p>
@@ -1583,7 +1583,7 @@
               </a14:hiddenLine>
             </a:ext>
             <a:ext uri="{FAA26D3D-D897-4be2-8F04-BA451C77F1D7}">
-              <ma14:placeholderFlag xmlns="" xmlns:ma14="http://schemas.microsoft.com/office/mac/drawingml/2011/main" val="1"/>
+              <ma14:placeholderFlag xmlns:ma14="http://schemas.microsoft.com/office/mac/drawingml/2011/main" xmlns="" val="1"/>
             </a:ext>
           </a:extLst>
         </p:spPr>
@@ -2031,7 +2031,7 @@
               </a14:hiddenLine>
             </a:ext>
             <a:ext uri="{FAA26D3D-D897-4be2-8F04-BA451C77F1D7}">
-              <ma14:placeholderFlag xmlns="" xmlns:ma14="http://schemas.microsoft.com/office/mac/drawingml/2011/main" val="1"/>
+              <ma14:placeholderFlag xmlns:ma14="http://schemas.microsoft.com/office/mac/drawingml/2011/main" xmlns="" val="1"/>
             </a:ext>
           </a:extLst>
         </p:spPr>
@@ -2285,7 +2285,7 @@
               </a14:hiddenLine>
             </a:ext>
             <a:ext uri="{FAA26D3D-D897-4be2-8F04-BA451C77F1D7}">
-              <ma14:placeholderFlag xmlns="" xmlns:ma14="http://schemas.microsoft.com/office/mac/drawingml/2011/main" val="1"/>
+              <ma14:placeholderFlag xmlns:ma14="http://schemas.microsoft.com/office/mac/drawingml/2011/main" xmlns="" val="1"/>
             </a:ext>
           </a:extLst>
         </p:spPr>
@@ -2539,7 +2539,7 @@
               </a14:hiddenLine>
             </a:ext>
             <a:ext uri="{FAA26D3D-D897-4be2-8F04-BA451C77F1D7}">
-              <ma14:placeholderFlag xmlns="" xmlns:ma14="http://schemas.microsoft.com/office/mac/drawingml/2011/main" val="1"/>
+              <ma14:placeholderFlag xmlns:ma14="http://schemas.microsoft.com/office/mac/drawingml/2011/main" xmlns="" val="1"/>
             </a:ext>
           </a:extLst>
         </p:spPr>
@@ -3068,7 +3068,7 @@
               </a14:hiddenLine>
             </a:ext>
             <a:ext uri="{FAA26D3D-D897-4be2-8F04-BA451C77F1D7}">
-              <ma14:placeholderFlag xmlns="" xmlns:ma14="http://schemas.microsoft.com/office/mac/drawingml/2011/main" val="1"/>
+              <ma14:placeholderFlag xmlns:ma14="http://schemas.microsoft.com/office/mac/drawingml/2011/main" xmlns="" val="1"/>
             </a:ext>
           </a:extLst>
         </p:spPr>
@@ -5615,14 +5615,14 @@
           </a:ln>
           <a:extLst>
             <a:ext uri="{909E8E84-426E-40dd-AFC4-6F175D3DCCD1}">
-              <a14:hiddenFill xmlns:a14="http://schemas.microsoft.com/office/drawing/2010/main" xmlns="">
+              <a14:hiddenFill xmlns="" xmlns:a14="http://schemas.microsoft.com/office/drawing/2010/main">
                 <a:solidFill>
                   <a:schemeClr val="accent1"/>
                 </a:solidFill>
               </a14:hiddenFill>
             </a:ext>
             <a:ext uri="{91240B29-F687-4f45-9708-019B960494DF}">
-              <a14:hiddenLine xmlns:a14="http://schemas.microsoft.com/office/drawing/2010/main" xmlns="" w="9525">
+              <a14:hiddenLine xmlns="" xmlns:a14="http://schemas.microsoft.com/office/drawing/2010/main" w="9525">
                 <a:solidFill>
                   <a:schemeClr val="tx1"/>
                 </a:solidFill>
@@ -6455,7 +6455,7 @@
           <p:nvPr>
             <p:extLst>
               <p:ext uri="{D42A27DB-BD31-4B8C-83A1-F6EECF244321}">
-                <p14:modId xmlns:p14="http://schemas.microsoft.com/office/powerpoint/2010/main" val="4197085365"/>
+                <p14:modId xmlns:p14="http://schemas.microsoft.com/office/powerpoint/2010/main" val="3689081860"/>
               </p:ext>
             </p:extLst>
           </p:nvPr>
@@ -6468,12 +6468,12 @@
           <a:graphicData uri="http://schemas.openxmlformats.org/presentationml/2006/ole">
             <mc:AlternateContent xmlns:mc="http://schemas.openxmlformats.org/markup-compatibility/2006">
               <mc:Choice xmlns:v="urn:schemas-microsoft-com:vml" Requires="v">
-                <p:oleObj spid="_x0000_s1032" name="Macro-Enabled Worksheet" r:id="rId3" imgW="5296056" imgH="2940212" progId="Excel.SheetMacroEnabled.12">
+                <p:oleObj spid="_x0000_s1035" name="Macro-Enabled Worksheet" r:id="rId3" imgW="5057763" imgH="2971715" progId="Excel.SheetMacroEnabled.12">
                   <p:link updateAutomatic="1"/>
                 </p:oleObj>
               </mc:Choice>
               <mc:Fallback>
-                <p:oleObj name="Macro-Enabled Worksheet" r:id="rId3" imgW="5296056" imgH="2940212" progId="Excel.SheetMacroEnabled.12">
+                <p:oleObj name="Macro-Enabled Worksheet" r:id="rId3" imgW="5057763" imgH="2971715" progId="Excel.SheetMacroEnabled.12">
                   <p:link updateAutomatic="1"/>
                   <p:pic>
                     <p:nvPicPr>
@@ -6518,7 +6518,7 @@
           <p:nvPr>
             <p:extLst>
               <p:ext uri="{D42A27DB-BD31-4B8C-83A1-F6EECF244321}">
-                <p14:modId xmlns:p14="http://schemas.microsoft.com/office/powerpoint/2010/main" val="1516807876"/>
+                <p14:modId xmlns:p14="http://schemas.microsoft.com/office/powerpoint/2010/main" val="1375346600"/>
               </p:ext>
             </p:extLst>
           </p:nvPr>
@@ -6531,7 +6531,7 @@
           <a:graphicData uri="http://schemas.openxmlformats.org/presentationml/2006/ole">
             <mc:AlternateContent xmlns:mc="http://schemas.openxmlformats.org/markup-compatibility/2006">
               <mc:Choice xmlns:v="urn:schemas-microsoft-com:vml" Requires="v">
-                <p:oleObj spid="_x0000_s1033" name="Macro-Enabled Worksheet" r:id="rId5" imgW="5057763" imgH="676332" progId="Excel.SheetMacroEnabled.12">
+                <p:oleObj spid="_x0000_s1036" name="Macro-Enabled Worksheet" r:id="rId5" imgW="5057763" imgH="676332" progId="Excel.SheetMacroEnabled.12">
                   <p:link updateAutomatic="1"/>
                 </p:oleObj>
               </mc:Choice>
@@ -6581,7 +6581,7 @@
           <p:nvPr>
             <p:extLst>
               <p:ext uri="{D42A27DB-BD31-4B8C-83A1-F6EECF244321}">
-                <p14:modId xmlns:p14="http://schemas.microsoft.com/office/powerpoint/2010/main" val="3677353197"/>
+                <p14:modId xmlns:p14="http://schemas.microsoft.com/office/powerpoint/2010/main" val="3420911097"/>
               </p:ext>
             </p:extLst>
           </p:nvPr>
@@ -6594,12 +6594,12 @@
           <a:graphicData uri="http://schemas.openxmlformats.org/presentationml/2006/ole">
             <mc:AlternateContent xmlns:mc="http://schemas.openxmlformats.org/markup-compatibility/2006">
               <mc:Choice xmlns:v="urn:schemas-microsoft-com:vml" Requires="v">
-                <p:oleObj spid="_x0000_s1034" name="Macro-Enabled Worksheet" r:id="rId7" imgW="5296056" imgH="273073" progId="Excel.SheetMacroEnabled.12">
+                <p:oleObj spid="_x0000_s1037" name="Macro-Enabled Worksheet" r:id="rId7" imgW="5057763" imgH="276367" progId="Excel.SheetMacroEnabled.12">
                   <p:link updateAutomatic="1"/>
                 </p:oleObj>
               </mc:Choice>
               <mc:Fallback>
-                <p:oleObj name="Macro-Enabled Worksheet" r:id="rId7" imgW="5296056" imgH="273073" progId="Excel.SheetMacroEnabled.12">
+                <p:oleObj name="Macro-Enabled Worksheet" r:id="rId7" imgW="5057763" imgH="276367" progId="Excel.SheetMacroEnabled.12">
                   <p:link updateAutomatic="1"/>
                   <p:pic>
                     <p:nvPicPr>
@@ -7009,10 +7009,10 @@
       </p:sp>
       <p:graphicFrame>
         <p:nvGraphicFramePr>
-          <p:cNvPr id="3" name="Object 2">
+          <p:cNvPr id="2" name="Object 1">
             <a:extLst>
               <a:ext uri="{FF2B5EF4-FFF2-40B4-BE49-F238E27FC236}">
-                <a16:creationId xmlns:a16="http://schemas.microsoft.com/office/drawing/2014/main" id="{7B3DED29-120D-471F-9378-D0E2D23DD0C2}"/>
+                <a16:creationId xmlns:a16="http://schemas.microsoft.com/office/drawing/2014/main" id="{BCB14951-7702-4C0F-B6A6-21391A66B766}"/>
               </a:ext>
             </a:extLst>
           </p:cNvPr>
@@ -7022,25 +7022,25 @@
           <p:nvPr>
             <p:extLst>
               <p:ext uri="{D42A27DB-BD31-4B8C-83A1-F6EECF244321}">
-                <p14:modId xmlns:p14="http://schemas.microsoft.com/office/powerpoint/2010/main" val="2415012749"/>
+                <p14:modId xmlns:p14="http://schemas.microsoft.com/office/powerpoint/2010/main" val="536666420"/>
               </p:ext>
             </p:extLst>
           </p:nvPr>
         </p:nvGraphicFramePr>
         <p:xfrm>
           <a:off x="1146575" y="2016388"/>
-          <a:ext cx="8407400" cy="1987550"/>
+          <a:ext cx="8020050" cy="1952625"/>
         </p:xfrm>
         <a:graphic>
           <a:graphicData uri="http://schemas.openxmlformats.org/presentationml/2006/ole">
             <mc:AlternateContent xmlns:mc="http://schemas.openxmlformats.org/markup-compatibility/2006">
               <mc:Choice xmlns:v="urn:schemas-microsoft-com:vml" Requires="v">
-                <p:oleObj spid="_x0000_s5124" name="Macro-Enabled Worksheet" r:id="rId4" imgW="8407504" imgH="1987573" progId="Excel.SheetMacroEnabled.12">
+                <p:oleObj spid="_x0000_s5125" name="Macro-Enabled Worksheet" r:id="rId4" imgW="8019882" imgH="1952611" progId="Excel.SheetMacroEnabled.12">
                   <p:link updateAutomatic="1"/>
                 </p:oleObj>
               </mc:Choice>
               <mc:Fallback>
-                <p:oleObj name="Macro-Enabled Worksheet" r:id="rId4" imgW="8407504" imgH="1987573" progId="Excel.SheetMacroEnabled.12">
+                <p:oleObj name="Macro-Enabled Worksheet" r:id="rId4" imgW="8019882" imgH="1952611" progId="Excel.SheetMacroEnabled.12">
                   <p:link updateAutomatic="1"/>
                   <p:pic>
                     <p:nvPicPr>
@@ -7057,7 +7057,7 @@
                     <p:spPr>
                       <a:xfrm>
                         <a:off x="1146575" y="2016388"/>
-                        <a:ext cx="8407400" cy="1987550"/>
+                        <a:ext cx="8020050" cy="1952625"/>
                       </a:xfrm>
                       <a:prstGeom prst="rect">
                         <a:avLst/>
@@ -7146,7 +7146,7 @@
           <p:nvPr>
             <p:extLst>
               <p:ext uri="{D42A27DB-BD31-4B8C-83A1-F6EECF244321}">
-                <p14:modId xmlns:p14="http://schemas.microsoft.com/office/powerpoint/2010/main" val="3854673917"/>
+                <p14:modId xmlns:p14="http://schemas.microsoft.com/office/powerpoint/2010/main" val="2680887889"/>
               </p:ext>
             </p:extLst>
           </p:nvPr>
@@ -7159,12 +7159,12 @@
           <a:graphicData uri="http://schemas.openxmlformats.org/presentationml/2006/ole">
             <mc:AlternateContent xmlns:mc="http://schemas.openxmlformats.org/markup-compatibility/2006">
               <mc:Choice xmlns:v="urn:schemas-microsoft-com:vml" Requires="v">
-                <p:oleObj spid="_x0000_s6148" name="Macro-Enabled Worksheet" r:id="rId4" imgW="9974615" imgH="5714906" progId="Excel.SheetMacroEnabled.12">
+                <p:oleObj spid="_x0000_s6149" name="Macro-Enabled Worksheet" r:id="rId4" imgW="9667719" imgH="5695850" progId="Excel.SheetMacroEnabled.12">
                   <p:link updateAutomatic="1"/>
                 </p:oleObj>
               </mc:Choice>
               <mc:Fallback>
-                <p:oleObj name="Macro-Enabled Worksheet" r:id="rId4" imgW="9974615" imgH="5714906" progId="Excel.SheetMacroEnabled.12">
+                <p:oleObj name="Macro-Enabled Worksheet" r:id="rId4" imgW="9667719" imgH="5695850" progId="Excel.SheetMacroEnabled.12">
                   <p:link updateAutomatic="1"/>
                   <p:pic>
                     <p:nvPicPr>
@@ -7265,7 +7265,7 @@
           <p:nvPr>
             <p:extLst>
               <p:ext uri="{D42A27DB-BD31-4B8C-83A1-F6EECF244321}">
-                <p14:modId xmlns:p14="http://schemas.microsoft.com/office/powerpoint/2010/main" val="3035448525"/>
+                <p14:modId xmlns:p14="http://schemas.microsoft.com/office/powerpoint/2010/main" val="1140430543"/>
               </p:ext>
             </p:extLst>
           </p:nvPr>
@@ -7278,12 +7278,12 @@
           <a:graphicData uri="http://schemas.openxmlformats.org/presentationml/2006/ole">
             <mc:AlternateContent xmlns:mc="http://schemas.openxmlformats.org/markup-compatibility/2006">
               <mc:Choice xmlns:v="urn:schemas-microsoft-com:vml" Requires="v">
-                <p:oleObj spid="_x0000_s7172" name="Macro-Enabled Worksheet" r:id="rId4" imgW="8252566" imgH="358030" progId="Excel.SheetMacroEnabled.12">
+                <p:oleObj spid="_x0000_s7173" name="Macro-Enabled Worksheet" r:id="rId4" imgW="8019882" imgH="333560" progId="Excel.SheetMacroEnabled.12">
                   <p:link updateAutomatic="1"/>
                 </p:oleObj>
               </mc:Choice>
               <mc:Fallback>
-                <p:oleObj name="Macro-Enabled Worksheet" r:id="rId4" imgW="8252566" imgH="358030" progId="Excel.SheetMacroEnabled.12">
+                <p:oleObj name="Macro-Enabled Worksheet" r:id="rId4" imgW="8019882" imgH="333560" progId="Excel.SheetMacroEnabled.12">
                   <p:link updateAutomatic="1"/>
                   <p:pic>
                     <p:nvPicPr>
@@ -7384,7 +7384,7 @@
           <p:nvPr>
             <p:extLst>
               <p:ext uri="{D42A27DB-BD31-4B8C-83A1-F6EECF244321}">
-                <p14:modId xmlns:p14="http://schemas.microsoft.com/office/powerpoint/2010/main" val="1994311614"/>
+                <p14:modId xmlns:p14="http://schemas.microsoft.com/office/powerpoint/2010/main" val="2833255310"/>
               </p:ext>
             </p:extLst>
           </p:nvPr>
@@ -7397,12 +7397,12 @@
           <a:graphicData uri="http://schemas.openxmlformats.org/presentationml/2006/ole">
             <mc:AlternateContent xmlns:mc="http://schemas.openxmlformats.org/markup-compatibility/2006">
               <mc:Choice xmlns:v="urn:schemas-microsoft-com:vml" Requires="v">
-                <p:oleObj spid="_x0000_s8196" name="Macro-Enabled Worksheet" r:id="rId4" imgW="13517809" imgH="4008324" progId="Excel.SheetMacroEnabled.12">
+                <p:oleObj spid="_x0000_s8197" name="Macro-Enabled Worksheet" r:id="rId4" imgW="13077645" imgH="4010011" progId="Excel.SheetMacroEnabled.12">
                   <p:link updateAutomatic="1"/>
                 </p:oleObj>
               </mc:Choice>
               <mc:Fallback>
-                <p:oleObj name="Macro-Enabled Worksheet" r:id="rId4" imgW="13517809" imgH="4008324" progId="Excel.SheetMacroEnabled.12">
+                <p:oleObj name="Macro-Enabled Worksheet" r:id="rId4" imgW="13077645" imgH="4010011" progId="Excel.SheetMacroEnabled.12">
                   <p:link updateAutomatic="1"/>
                   <p:pic>
                     <p:nvPicPr>
@@ -7462,46 +7462,12 @@
           <a:chExt cx="0" cy="0"/>
         </a:xfrm>
       </p:grpSpPr>
-      <p:sp>
-        <p:nvSpPr>
-          <p:cNvPr id="2" name="Title 1">
+      <p:graphicFrame>
+        <p:nvGraphicFramePr>
+          <p:cNvPr id="3" name="Object 2">
             <a:extLst>
               <a:ext uri="{FF2B5EF4-FFF2-40B4-BE49-F238E27FC236}">
-                <a16:creationId xmlns:a16="http://schemas.microsoft.com/office/drawing/2014/main" id="{9EA3843C-9D08-4642-A4DF-AF55E6513E46}"/>
-              </a:ext>
-            </a:extLst>
-          </p:cNvPr>
-          <p:cNvSpPr>
-            <a:spLocks noGrp="1"/>
-          </p:cNvSpPr>
-          <p:nvPr>
-            <p:ph type="title"/>
-          </p:nvPr>
-        </p:nvSpPr>
-        <p:spPr/>
-        <p:txBody>
-          <a:bodyPr/>
-          <a:lstStyle/>
-          <a:p>
-            <a:r>
-              <a:rPr lang="en-US" altLang="en-US" dirty="0">
-                <a:ea typeface="ＭＳ Ｐゴシック" charset="-128"/>
-              </a:rPr>
-              <a:t>Appraisal Scope – Organizational Sample</a:t>
-            </a:r>
-            <a:r>
-              <a:rPr lang="en-ZA" dirty="0"/>
-              <a:t> </a:t>
-            </a:r>
-          </a:p>
-        </p:txBody>
-      </p:sp>
-      <p:graphicFrame>
-        <p:nvGraphicFramePr>
-          <p:cNvPr id="4" name="Object 3">
-            <a:extLst>
-              <a:ext uri="{FF2B5EF4-FFF2-40B4-BE49-F238E27FC236}">
-                <a16:creationId xmlns:a16="http://schemas.microsoft.com/office/drawing/2014/main" id="{546231BD-1CF8-4E2C-91EE-CA03ACCEAF37}"/>
+                <a16:creationId xmlns:a16="http://schemas.microsoft.com/office/drawing/2014/main" id="{826564A6-5108-42B5-A49B-FB8D3BA28106}"/>
               </a:ext>
             </a:extLst>
           </p:cNvPr>
@@ -7511,25 +7477,25 @@
           <p:nvPr>
             <p:extLst>
               <p:ext uri="{D42A27DB-BD31-4B8C-83A1-F6EECF244321}">
-                <p14:modId xmlns:p14="http://schemas.microsoft.com/office/powerpoint/2010/main" val="2252012834"/>
+                <p14:modId xmlns:p14="http://schemas.microsoft.com/office/powerpoint/2010/main" val="3215244447"/>
               </p:ext>
             </p:extLst>
           </p:nvPr>
         </p:nvGraphicFramePr>
         <p:xfrm>
-          <a:off x="1246188" y="2189163"/>
-          <a:ext cx="7868104" cy="1786844"/>
+          <a:off x="652463" y="1689100"/>
+          <a:ext cx="10887075" cy="3476625"/>
         </p:xfrm>
         <a:graphic>
           <a:graphicData uri="http://schemas.openxmlformats.org/presentationml/2006/ole">
             <mc:AlternateContent xmlns:mc="http://schemas.openxmlformats.org/markup-compatibility/2006">
               <mc:Choice xmlns:v="urn:schemas-microsoft-com:vml" Requires="v">
-                <p:oleObj spid="_x0000_s9220" name="Macro-Enabled Worksheet" r:id="rId3" imgW="11201613" imgH="3474673" progId="Excel.SheetMacroEnabled.12">
+                <p:oleObj spid="_x0000_s9221" name="Macro-Enabled Worksheet" r:id="rId3" imgW="10886919" imgH="3476469" progId="Excel.SheetMacroEnabled.12">
                   <p:link updateAutomatic="1"/>
                 </p:oleObj>
               </mc:Choice>
               <mc:Fallback>
-                <p:oleObj name="Macro-Enabled Worksheet" r:id="rId3" imgW="11201613" imgH="3474673" progId="Excel.SheetMacroEnabled.12">
+                <p:oleObj name="Macro-Enabled Worksheet" r:id="rId3" imgW="10886919" imgH="3476469" progId="Excel.SheetMacroEnabled.12">
                   <p:link updateAutomatic="1"/>
                   <p:pic>
                     <p:nvPicPr>
@@ -7545,8 +7511,8 @@
                     </p:blipFill>
                     <p:spPr>
                       <a:xfrm>
-                        <a:off x="1246188" y="2189163"/>
-                        <a:ext cx="7868104" cy="1786844"/>
+                        <a:off x="652463" y="1689100"/>
+                        <a:ext cx="10887075" cy="3476625"/>
                       </a:xfrm>
                       <a:prstGeom prst="rect">
                         <a:avLst/>
@@ -7559,6 +7525,40 @@
           </a:graphicData>
         </a:graphic>
       </p:graphicFrame>
+      <p:sp>
+        <p:nvSpPr>
+          <p:cNvPr id="2" name="Title 1">
+            <a:extLst>
+              <a:ext uri="{FF2B5EF4-FFF2-40B4-BE49-F238E27FC236}">
+                <a16:creationId xmlns:a16="http://schemas.microsoft.com/office/drawing/2014/main" id="{9EA3843C-9D08-4642-A4DF-AF55E6513E46}"/>
+              </a:ext>
+            </a:extLst>
+          </p:cNvPr>
+          <p:cNvSpPr>
+            <a:spLocks noGrp="1"/>
+          </p:cNvSpPr>
+          <p:nvPr>
+            <p:ph type="title"/>
+          </p:nvPr>
+        </p:nvSpPr>
+        <p:spPr/>
+        <p:txBody>
+          <a:bodyPr/>
+          <a:lstStyle/>
+          <a:p>
+            <a:r>
+              <a:rPr lang="en-US" altLang="en-US" dirty="0">
+                <a:ea typeface="ＭＳ Ｐゴシック" charset="-128"/>
+              </a:rPr>
+              <a:t>Appraisal Scope – Organizational Sample</a:t>
+            </a:r>
+            <a:r>
+              <a:rPr lang="en-ZA" dirty="0"/>
+              <a:t> </a:t>
+            </a:r>
+          </a:p>
+        </p:txBody>
+      </p:sp>
     </p:spTree>
     <p:extLst>
       <p:ext uri="{BB962C8B-B14F-4D97-AF65-F5344CB8AC3E}">
@@ -7589,43 +7589,12 @@
           <a:chExt cx="0" cy="0"/>
         </a:xfrm>
       </p:grpSpPr>
-      <p:sp>
-        <p:nvSpPr>
-          <p:cNvPr id="2" name="Title 1">
+      <p:graphicFrame>
+        <p:nvGraphicFramePr>
+          <p:cNvPr id="4" name="Object 3">
             <a:extLst>
               <a:ext uri="{FF2B5EF4-FFF2-40B4-BE49-F238E27FC236}">
-                <a16:creationId xmlns:a16="http://schemas.microsoft.com/office/drawing/2014/main" id="{9EA3843C-9D08-4642-A4DF-AF55E6513E46}"/>
-              </a:ext>
-            </a:extLst>
-          </p:cNvPr>
-          <p:cNvSpPr>
-            <a:spLocks noGrp="1"/>
-          </p:cNvSpPr>
-          <p:nvPr>
-            <p:ph type="title"/>
-          </p:nvPr>
-        </p:nvSpPr>
-        <p:spPr/>
-        <p:txBody>
-          <a:bodyPr/>
-          <a:lstStyle/>
-          <a:p>
-            <a:r>
-              <a:rPr lang="en-US" altLang="en-US" dirty="0">
-                <a:ea typeface="ＭＳ Ｐゴシック" charset="-128"/>
-              </a:rPr>
-              <a:t>Appraisal Scope – Organizational Sample</a:t>
-            </a:r>
-            <a:endParaRPr lang="en-ZA" dirty="0"/>
-          </a:p>
-        </p:txBody>
-      </p:sp>
-      <p:graphicFrame>
-        <p:nvGraphicFramePr>
-          <p:cNvPr id="3" name="Object 2">
-            <a:extLst>
-              <a:ext uri="{FF2B5EF4-FFF2-40B4-BE49-F238E27FC236}">
-                <a16:creationId xmlns:a16="http://schemas.microsoft.com/office/drawing/2014/main" id="{91241FDA-B478-4897-9165-9C37E1FE21FE}"/>
+                <a16:creationId xmlns:a16="http://schemas.microsoft.com/office/drawing/2014/main" id="{53EE0D9B-0FA4-4BC3-A0BF-07768E788208}"/>
               </a:ext>
             </a:extLst>
           </p:cNvPr>
@@ -7635,25 +7604,25 @@
           <p:nvPr>
             <p:extLst>
               <p:ext uri="{D42A27DB-BD31-4B8C-83A1-F6EECF244321}">
-                <p14:modId xmlns:p14="http://schemas.microsoft.com/office/powerpoint/2010/main" val="1066768676"/>
+                <p14:modId xmlns:p14="http://schemas.microsoft.com/office/powerpoint/2010/main" val="3869120684"/>
               </p:ext>
             </p:extLst>
           </p:nvPr>
         </p:nvGraphicFramePr>
         <p:xfrm>
-          <a:off x="1162506" y="1882390"/>
-          <a:ext cx="7883839" cy="2538690"/>
+          <a:off x="652463" y="1689100"/>
+          <a:ext cx="10887075" cy="3476625"/>
         </p:xfrm>
         <a:graphic>
           <a:graphicData uri="http://schemas.openxmlformats.org/presentationml/2006/ole">
             <mc:AlternateContent xmlns:mc="http://schemas.openxmlformats.org/markup-compatibility/2006">
               <mc:Choice xmlns:v="urn:schemas-microsoft-com:vml" Requires="v">
-                <p:oleObj spid="_x0000_s10244" name="Macro-Enabled Worksheet" r:id="rId3" imgW="11404496" imgH="3473473" progId="Excel.SheetMacroEnabled.12">
+                <p:oleObj spid="_x0000_s10245" name="Macro-Enabled Worksheet" r:id="rId3" imgW="10886919" imgH="3476469" progId="Excel.SheetMacroEnabled.12">
                   <p:link updateAutomatic="1"/>
                 </p:oleObj>
               </mc:Choice>
               <mc:Fallback>
-                <p:oleObj name="Macro-Enabled Worksheet" r:id="rId3" imgW="11404496" imgH="3473473" progId="Excel.SheetMacroEnabled.12">
+                <p:oleObj name="Macro-Enabled Worksheet" r:id="rId3" imgW="10886919" imgH="3476469" progId="Excel.SheetMacroEnabled.12">
                   <p:link updateAutomatic="1"/>
                   <p:pic>
                     <p:nvPicPr>
@@ -7669,8 +7638,8 @@
                     </p:blipFill>
                     <p:spPr>
                       <a:xfrm>
-                        <a:off x="1162506" y="1882390"/>
-                        <a:ext cx="7883839" cy="2538690"/>
+                        <a:off x="652463" y="1689100"/>
+                        <a:ext cx="10887075" cy="3476625"/>
                       </a:xfrm>
                       <a:prstGeom prst="rect">
                         <a:avLst/>
@@ -7683,6 +7652,37 @@
           </a:graphicData>
         </a:graphic>
       </p:graphicFrame>
+      <p:sp>
+        <p:nvSpPr>
+          <p:cNvPr id="2" name="Title 1">
+            <a:extLst>
+              <a:ext uri="{FF2B5EF4-FFF2-40B4-BE49-F238E27FC236}">
+                <a16:creationId xmlns:a16="http://schemas.microsoft.com/office/drawing/2014/main" id="{9EA3843C-9D08-4642-A4DF-AF55E6513E46}"/>
+              </a:ext>
+            </a:extLst>
+          </p:cNvPr>
+          <p:cNvSpPr>
+            <a:spLocks noGrp="1"/>
+          </p:cNvSpPr>
+          <p:nvPr>
+            <p:ph type="title"/>
+          </p:nvPr>
+        </p:nvSpPr>
+        <p:spPr/>
+        <p:txBody>
+          <a:bodyPr/>
+          <a:lstStyle/>
+          <a:p>
+            <a:r>
+              <a:rPr lang="en-US" altLang="en-US" dirty="0">
+                <a:ea typeface="ＭＳ Ｐゴシック" charset="-128"/>
+              </a:rPr>
+              <a:t>Appraisal Scope – Organizational Sample</a:t>
+            </a:r>
+            <a:endParaRPr lang="en-ZA" dirty="0"/>
+          </a:p>
+        </p:txBody>
+      </p:sp>
     </p:spTree>
     <p:extLst>
       <p:ext uri="{BB962C8B-B14F-4D97-AF65-F5344CB8AC3E}">
@@ -7805,7 +7805,7 @@
           <p:nvPr>
             <p:extLst>
               <p:ext uri="{D42A27DB-BD31-4B8C-83A1-F6EECF244321}">
-                <p14:modId xmlns:p14="http://schemas.microsoft.com/office/powerpoint/2010/main" val="1191136977"/>
+                <p14:modId xmlns:p14="http://schemas.microsoft.com/office/powerpoint/2010/main" val="952587181"/>
               </p:ext>
             </p:extLst>
           </p:nvPr>
@@ -7818,12 +7818,12 @@
           <a:graphicData uri="http://schemas.openxmlformats.org/presentationml/2006/ole">
             <mc:AlternateContent xmlns:mc="http://schemas.openxmlformats.org/markup-compatibility/2006">
               <mc:Choice xmlns:v="urn:schemas-microsoft-com:vml" Requires="v">
-                <p:oleObj spid="_x0000_s11270" name="Macro-Enabled Worksheet" r:id="rId4" imgW="12807820" imgH="8597854" progId="Excel.SheetMacroEnabled.12">
+                <p:oleObj spid="_x0000_s11272" name="Macro-Enabled Worksheet" r:id="rId4" imgW="12211170" imgH="9125106" progId="Excel.SheetMacroEnabled.12">
                   <p:link updateAutomatic="1"/>
                 </p:oleObj>
               </mc:Choice>
               <mc:Fallback>
-                <p:oleObj name="Macro-Enabled Worksheet" r:id="rId4" imgW="12807820" imgH="8597854" progId="Excel.SheetMacroEnabled.12">
+                <p:oleObj name="Macro-Enabled Worksheet" r:id="rId4" imgW="12211170" imgH="9125106" progId="Excel.SheetMacroEnabled.12">
                   <p:link updateAutomatic="1"/>
                   <p:pic>
                     <p:nvPicPr>
@@ -7986,7 +7986,7 @@
           <p:nvPr>
             <p:extLst>
               <p:ext uri="{D42A27DB-BD31-4B8C-83A1-F6EECF244321}">
-                <p14:modId xmlns:p14="http://schemas.microsoft.com/office/powerpoint/2010/main" val="3530102696"/>
+                <p14:modId xmlns:p14="http://schemas.microsoft.com/office/powerpoint/2010/main" val="2343709461"/>
               </p:ext>
             </p:extLst>
           </p:nvPr>
@@ -7999,12 +7999,12 @@
           <a:graphicData uri="http://schemas.openxmlformats.org/presentationml/2006/ole">
             <mc:AlternateContent xmlns:mc="http://schemas.openxmlformats.org/markup-compatibility/2006">
               <mc:Choice xmlns:v="urn:schemas-microsoft-com:vml" Requires="v">
-                <p:oleObj spid="_x0000_s11271" name="Macro-Enabled Worksheet" r:id="rId7" imgW="3330117" imgH="182833" progId="Excel.SheetMacroEnabled.12">
+                <p:oleObj spid="_x0000_s11273" name="Macro-Enabled Worksheet" r:id="rId7" imgW="3238548" imgH="9596" progId="Excel.SheetMacroEnabled.12">
                   <p:link updateAutomatic="1"/>
                 </p:oleObj>
               </mc:Choice>
               <mc:Fallback>
-                <p:oleObj name="Macro-Enabled Worksheet" r:id="rId7" imgW="3330117" imgH="182833" progId="Excel.SheetMacroEnabled.12">
+                <p:oleObj name="Macro-Enabled Worksheet" r:id="rId7" imgW="3238548" imgH="9596" progId="Excel.SheetMacroEnabled.12">
                   <p:link updateAutomatic="1"/>
                   <p:pic>
                     <p:nvPicPr>
@@ -9099,7 +9099,7 @@
           <p:nvPr>
             <p:extLst>
               <p:ext uri="{D42A27DB-BD31-4B8C-83A1-F6EECF244321}">
-                <p14:modId xmlns:p14="http://schemas.microsoft.com/office/powerpoint/2010/main" val="768446509"/>
+                <p14:modId xmlns:p14="http://schemas.microsoft.com/office/powerpoint/2010/main" val="22372110"/>
               </p:ext>
             </p:extLst>
           </p:nvPr>
@@ -9112,12 +9112,12 @@
           <a:graphicData uri="http://schemas.openxmlformats.org/presentationml/2006/ole">
             <mc:AlternateContent xmlns:mc="http://schemas.openxmlformats.org/markup-compatibility/2006">
               <mc:Choice xmlns:v="urn:schemas-microsoft-com:vml" Requires="v">
-                <p:oleObj spid="_x0000_s12292" name="Macro-Enabled Worksheet" r:id="rId3" imgW="7569407" imgH="3155927" progId="Excel.SheetMacroEnabled.12">
+                <p:oleObj spid="_x0000_s12293" name="Macro-Enabled Worksheet" r:id="rId3" imgW="7229319" imgH="3210081" progId="Excel.SheetMacroEnabled.12">
                   <p:link updateAutomatic="1"/>
                 </p:oleObj>
               </mc:Choice>
               <mc:Fallback>
-                <p:oleObj name="Macro-Enabled Worksheet" r:id="rId3" imgW="7569407" imgH="3155927" progId="Excel.SheetMacroEnabled.12">
+                <p:oleObj name="Macro-Enabled Worksheet" r:id="rId3" imgW="7229319" imgH="3210081" progId="Excel.SheetMacroEnabled.12">
                   <p:link updateAutomatic="1"/>
                   <p:pic>
                     <p:nvPicPr>
@@ -9212,10 +9212,10 @@
       </p:sp>
       <p:graphicFrame>
         <p:nvGraphicFramePr>
-          <p:cNvPr id="3" name="Object 2">
+          <p:cNvPr id="4" name="Object 3">
             <a:extLst>
               <a:ext uri="{FF2B5EF4-FFF2-40B4-BE49-F238E27FC236}">
-                <a16:creationId xmlns:a16="http://schemas.microsoft.com/office/drawing/2014/main" id="{04EF63E8-7549-4BEB-A50D-A9F4321F3400}"/>
+                <a16:creationId xmlns:a16="http://schemas.microsoft.com/office/drawing/2014/main" id="{DBA6108F-A3D4-45BE-B8CA-9186C4E63FAB}"/>
               </a:ext>
             </a:extLst>
           </p:cNvPr>
@@ -9225,25 +9225,25 @@
           <p:nvPr>
             <p:extLst>
               <p:ext uri="{D42A27DB-BD31-4B8C-83A1-F6EECF244321}">
-                <p14:modId xmlns:p14="http://schemas.microsoft.com/office/powerpoint/2010/main" val="3929168256"/>
+                <p14:modId xmlns:p14="http://schemas.microsoft.com/office/powerpoint/2010/main" val="4109266200"/>
               </p:ext>
             </p:extLst>
           </p:nvPr>
         </p:nvGraphicFramePr>
         <p:xfrm>
           <a:off x="1119188" y="1630363"/>
-          <a:ext cx="8407400" cy="2813050"/>
+          <a:ext cx="8020050" cy="2771775"/>
         </p:xfrm>
         <a:graphic>
           <a:graphicData uri="http://schemas.openxmlformats.org/presentationml/2006/ole">
             <mc:AlternateContent xmlns:mc="http://schemas.openxmlformats.org/markup-compatibility/2006">
               <mc:Choice xmlns:v="urn:schemas-microsoft-com:vml" Requires="v">
-                <p:oleObj spid="_x0000_s13316" name="Macro-Enabled Worksheet" r:id="rId3" imgW="8407504" imgH="2813027" progId="Excel.SheetMacroEnabled.12">
+                <p:oleObj spid="_x0000_s13317" name="Macro-Enabled Worksheet" r:id="rId3" imgW="8019882" imgH="2771732" progId="Excel.SheetMacroEnabled.12">
                   <p:link updateAutomatic="1"/>
                 </p:oleObj>
               </mc:Choice>
               <mc:Fallback>
-                <p:oleObj name="Macro-Enabled Worksheet" r:id="rId3" imgW="8407504" imgH="2813027" progId="Excel.SheetMacroEnabled.12">
+                <p:oleObj name="Macro-Enabled Worksheet" r:id="rId3" imgW="8019882" imgH="2771732" progId="Excel.SheetMacroEnabled.12">
                   <p:link updateAutomatic="1"/>
                   <p:pic>
                     <p:nvPicPr>
@@ -9260,7 +9260,7 @@
                     <p:spPr>
                       <a:xfrm>
                         <a:off x="1119188" y="1630363"/>
-                        <a:ext cx="8407400" cy="2813050"/>
+                        <a:ext cx="8020050" cy="2771775"/>
                       </a:xfrm>
                       <a:prstGeom prst="rect">
                         <a:avLst/>
@@ -11290,7 +11290,7 @@
           <p:nvPr>
             <p:extLst>
               <p:ext uri="{D42A27DB-BD31-4B8C-83A1-F6EECF244321}">
-                <p14:modId xmlns:p14="http://schemas.microsoft.com/office/powerpoint/2010/main" val="2673516647"/>
+                <p14:modId xmlns:p14="http://schemas.microsoft.com/office/powerpoint/2010/main" val="637352290"/>
               </p:ext>
             </p:extLst>
           </p:nvPr>
@@ -11303,12 +11303,12 @@
           <a:graphicData uri="http://schemas.openxmlformats.org/presentationml/2006/ole">
             <mc:AlternateContent xmlns:mc="http://schemas.openxmlformats.org/markup-compatibility/2006">
               <mc:Choice xmlns:v="urn:schemas-microsoft-com:vml" Requires="v">
-                <p:oleObj spid="_x0000_s2052" name="Macro-Enabled Worksheet" r:id="rId4" imgW="8252566" imgH="1432544" progId="Excel.SheetMacroEnabled.12">
+                <p:oleObj spid="_x0000_s2053" name="Macro-Enabled Worksheet" r:id="rId4" imgW="8019882" imgH="1352664" progId="Excel.SheetMacroEnabled.12">
                   <p:link updateAutomatic="1"/>
                 </p:oleObj>
               </mc:Choice>
               <mc:Fallback>
-                <p:oleObj name="Macro-Enabled Worksheet" r:id="rId4" imgW="8252566" imgH="1432544" progId="Excel.SheetMacroEnabled.12">
+                <p:oleObj name="Macro-Enabled Worksheet" r:id="rId4" imgW="8019882" imgH="1352664" progId="Excel.SheetMacroEnabled.12">
                   <p:link updateAutomatic="1"/>
                   <p:pic>
                     <p:nvPicPr>
@@ -11413,7 +11413,7 @@
           <p:nvPr>
             <p:extLst>
               <p:ext uri="{D42A27DB-BD31-4B8C-83A1-F6EECF244321}">
-                <p14:modId xmlns:p14="http://schemas.microsoft.com/office/powerpoint/2010/main" val="1335380079"/>
+                <p14:modId xmlns:p14="http://schemas.microsoft.com/office/powerpoint/2010/main" val="3686100640"/>
               </p:ext>
             </p:extLst>
           </p:nvPr>
@@ -11426,12 +11426,12 @@
           <a:graphicData uri="http://schemas.openxmlformats.org/presentationml/2006/ole">
             <mc:AlternateContent xmlns:mc="http://schemas.openxmlformats.org/markup-compatibility/2006">
               <mc:Choice xmlns:v="urn:schemas-microsoft-com:vml" Requires="v">
-                <p:oleObj spid="_x0000_s3076" name="Macro-Enabled Worksheet" r:id="rId4" imgW="8252566" imgH="1584834" progId="Excel.SheetMacroEnabled.12">
+                <p:oleObj spid="_x0000_s3077" name="Macro-Enabled Worksheet" r:id="rId4" imgW="8019882" imgH="1466665" progId="Excel.SheetMacroEnabled.12">
                   <p:link updateAutomatic="1"/>
                 </p:oleObj>
               </mc:Choice>
               <mc:Fallback>
-                <p:oleObj name="Macro-Enabled Worksheet" r:id="rId4" imgW="8252566" imgH="1584834" progId="Excel.SheetMacroEnabled.12">
+                <p:oleObj name="Macro-Enabled Worksheet" r:id="rId4" imgW="8019882" imgH="1466665" progId="Excel.SheetMacroEnabled.12">
                   <p:link updateAutomatic="1"/>
                   <p:pic>
                     <p:nvPicPr>
@@ -11556,7 +11556,7 @@
           <p:nvPr>
             <p:extLst>
               <p:ext uri="{D42A27DB-BD31-4B8C-83A1-F6EECF244321}">
-                <p14:modId xmlns:p14="http://schemas.microsoft.com/office/powerpoint/2010/main" val="3490828059"/>
+                <p14:modId xmlns:p14="http://schemas.microsoft.com/office/powerpoint/2010/main" val="3890998620"/>
               </p:ext>
             </p:extLst>
           </p:nvPr>
@@ -11569,12 +11569,12 @@
           <a:graphicData uri="http://schemas.openxmlformats.org/presentationml/2006/ole">
             <mc:AlternateContent xmlns:mc="http://schemas.openxmlformats.org/markup-compatibility/2006">
               <mc:Choice xmlns:v="urn:schemas-microsoft-com:vml" Requires="v">
-                <p:oleObj spid="_x0000_s4100" name="Macro-Enabled Worksheet" r:id="rId4" imgW="7429606" imgH="1394366" progId="Excel.SheetMacroEnabled.12">
+                <p:oleObj spid="_x0000_s4101" name="Macro-Enabled Worksheet" r:id="rId4" imgW="7229319" imgH="1409856" progId="Excel.SheetMacroEnabled.12">
                   <p:link updateAutomatic="1"/>
                 </p:oleObj>
               </mc:Choice>
               <mc:Fallback>
-                <p:oleObj name="Macro-Enabled Worksheet" r:id="rId4" imgW="7429606" imgH="1394366" progId="Excel.SheetMacroEnabled.12">
+                <p:oleObj name="Macro-Enabled Worksheet" r:id="rId4" imgW="7229319" imgH="1409856" progId="Excel.SheetMacroEnabled.12">
                   <p:link updateAutomatic="1"/>
                   <p:pic>
                     <p:nvPicPr>
@@ -12768,6 +12768,15 @@
 </file>
 
 <file path=customXml/item1.xml><?xml version="1.0" encoding="utf-8"?>
+<?mso-contentType ?>
+<FormTemplates xmlns="http://schemas.microsoft.com/sharepoint/v3/contenttype/forms">
+  <Display>DocumentLibraryForm</Display>
+  <Edit>DocumentLibraryForm</Edit>
+  <New>DocumentLibraryForm</New>
+</FormTemplates>
+</file>
+
+<file path=customXml/item2.xml><?xml version="1.0" encoding="utf-8"?>
 <ct:contentTypeSchema xmlns:ct="http://schemas.microsoft.com/office/2006/metadata/contentType" xmlns:ma="http://schemas.microsoft.com/office/2006/metadata/properties/metaAttributes" ct:_="" ma:_="" ma:contentTypeName="Document" ma:contentTypeID="0x0101001F513751AC33344AB32CFD2920EFE649" ma:contentTypeVersion="11" ma:contentTypeDescription="Create a new document." ma:contentTypeScope="" ma:versionID="683516f7d70434a0e4dbd6c476be8d5b">
   <xsd:schema xmlns:xsd="http://www.w3.org/2001/XMLSchema" xmlns:xs="http://www.w3.org/2001/XMLSchema" xmlns:p="http://schemas.microsoft.com/office/2006/metadata/properties" xmlns:ns2="72e3a154-4955-46c3-9573-e9dec3e1f195" xmlns:ns3="ec500478-62e0-46fc-87f1-cfa988e486b4" targetNamespace="http://schemas.microsoft.com/office/2006/metadata/properties" ma:root="true" ma:fieldsID="cf4a15c6a1eec5dbba94230cc6a50510" ns2:_="" ns3:_="">
     <xsd:import namespace="72e3a154-4955-46c3-9573-e9dec3e1f195"/>
@@ -12978,15 +12987,6 @@
 </ct:contentTypeSchema>
 </file>
 
-<file path=customXml/item2.xml><?xml version="1.0" encoding="utf-8"?>
-<?mso-contentType ?>
-<FormTemplates xmlns="http://schemas.microsoft.com/sharepoint/v3/contenttype/forms">
-  <Display>DocumentLibraryForm</Display>
-  <Edit>DocumentLibraryForm</Edit>
-  <New>DocumentLibraryForm</New>
-</FormTemplates>
-</file>
-
 <file path=customXml/item3.xml><?xml version="1.0" encoding="utf-8"?>
 <p:properties xmlns:p="http://schemas.microsoft.com/office/2006/metadata/properties" xmlns:xsi="http://www.w3.org/2001/XMLSchema-instance" xmlns:pc="http://schemas.microsoft.com/office/infopath/2007/PartnerControls">
   <documentManagement/>
@@ -12994,6 +12994,14 @@
 </file>
 
 <file path=customXml/itemProps1.xml><?xml version="1.0" encoding="utf-8"?>
+<ds:datastoreItem xmlns:ds="http://schemas.openxmlformats.org/officeDocument/2006/customXml" ds:itemID="{B8B49826-D5EE-4D24-B649-7C3A19B527D2}">
+  <ds:schemaRefs>
+    <ds:schemaRef ds:uri="http://schemas.microsoft.com/sharepoint/v3/contenttype/forms"/>
+  </ds:schemaRefs>
+</ds:datastoreItem>
+</file>
+
+<file path=customXml/itemProps2.xml><?xml version="1.0" encoding="utf-8"?>
 <ds:datastoreItem xmlns:ds="http://schemas.openxmlformats.org/officeDocument/2006/customXml" ds:itemID="{153C8246-6D75-4965-9C67-AB8DC9AA7365}">
   <ds:schemaRefs>
     <ds:schemaRef ds:uri="http://schemas.microsoft.com/office/2006/metadata/contentType"/>
@@ -13012,14 +13020,6 @@
 </ds:datastoreItem>
 </file>
 
-<file path=customXml/itemProps2.xml><?xml version="1.0" encoding="utf-8"?>
-<ds:datastoreItem xmlns:ds="http://schemas.openxmlformats.org/officeDocument/2006/customXml" ds:itemID="{B8B49826-D5EE-4D24-B649-7C3A19B527D2}">
-  <ds:schemaRefs>
-    <ds:schemaRef ds:uri="http://schemas.microsoft.com/sharepoint/v3/contenttype/forms"/>
-  </ds:schemaRefs>
-</ds:datastoreItem>
-</file>
-
 <file path=customXml/itemProps3.xml><?xml version="1.0" encoding="utf-8"?>
 <ds:datastoreItem xmlns:ds="http://schemas.openxmlformats.org/officeDocument/2006/customXml" ds:itemID="{5F07B0D7-F930-4230-933E-ABA84959494E}">
   <ds:schemaRefs>
